--- a/lesson10.pptx
+++ b/lesson10.pptx
@@ -144,14 +144,6 @@
     </p:ext>
   </p:extLst>
 </p:presentation>
-</file>
-
-<file path=ppt/revisionInfo.xml><?xml version="1.0" encoding="utf-8"?>
-<p1510:revInfo xmlns:a="http://schemas.openxmlformats.org/drawingml/2006/main" xmlns:r="http://schemas.openxmlformats.org/officeDocument/2006/relationships" xmlns:p1510="http://schemas.microsoft.com/office/powerpoint/2015/10/main">
-  <p1510:revLst>
-    <p1510:client id="{8C2DBC33-4966-4136-BFAF-B4B12FD9CA5D}" v="11" dt="2023-06-11T10:47:43.385"/>
-  </p1510:revLst>
-</p1510:revInfo>
 </file>
 
 <file path=ppt/changesInfos/changesInfo1.xml><?xml version="1.0" encoding="utf-8"?>
@@ -1391,8 +1383,8 @@
   </pc:docChgLst>
   <pc:docChgLst>
     <pc:chgData name="Anatoliy Kigel" userId="7432c6c4687b0a9c" providerId="LiveId" clId="{FB8352C4-4062-42B0-9CC9-2140C1D81795}"/>
-    <pc:docChg chg="delSld">
-      <pc:chgData name="Anatoliy Kigel" userId="7432c6c4687b0a9c" providerId="LiveId" clId="{FB8352C4-4062-42B0-9CC9-2140C1D81795}" dt="2023-06-11T13:45:15.048" v="0" actId="47"/>
+    <pc:docChg chg="undo custSel delSld modSld">
+      <pc:chgData name="Anatoliy Kigel" userId="7432c6c4687b0a9c" providerId="LiveId" clId="{FB8352C4-4062-42B0-9CC9-2140C1D81795}" dt="2023-06-12T15:34:34.742" v="4" actId="114"/>
       <pc:docMkLst>
         <pc:docMk/>
       </pc:docMkLst>
@@ -1402,6 +1394,44 @@
           <pc:docMk/>
           <pc:sldMk cId="0" sldId="388"/>
         </pc:sldMkLst>
+      </pc:sldChg>
+      <pc:sldChg chg="delSp modSp mod">
+        <pc:chgData name="Anatoliy Kigel" userId="7432c6c4687b0a9c" providerId="LiveId" clId="{FB8352C4-4062-42B0-9CC9-2140C1D81795}" dt="2023-06-12T15:34:34.742" v="4" actId="114"/>
+        <pc:sldMkLst>
+          <pc:docMk/>
+          <pc:sldMk cId="3636107850" sldId="511"/>
+        </pc:sldMkLst>
+        <pc:spChg chg="del">
+          <ac:chgData name="Anatoliy Kigel" userId="7432c6c4687b0a9c" providerId="LiveId" clId="{FB8352C4-4062-42B0-9CC9-2140C1D81795}" dt="2023-06-12T15:34:29.897" v="2" actId="478"/>
+          <ac:spMkLst>
+            <pc:docMk/>
+            <pc:sldMk cId="3636107850" sldId="511"/>
+            <ac:spMk id="7" creationId="{00000000-0000-0000-0000-000000000000}"/>
+          </ac:spMkLst>
+        </pc:spChg>
+        <pc:spChg chg="mod">
+          <ac:chgData name="Anatoliy Kigel" userId="7432c6c4687b0a9c" providerId="LiveId" clId="{FB8352C4-4062-42B0-9CC9-2140C1D81795}" dt="2023-06-12T15:34:34.742" v="4" actId="114"/>
+          <ac:spMkLst>
+            <pc:docMk/>
+            <pc:sldMk cId="3636107850" sldId="511"/>
+            <ac:spMk id="18" creationId="{00000000-0000-0000-0000-000000000000}"/>
+          </ac:spMkLst>
+        </pc:spChg>
+      </pc:sldChg>
+      <pc:sldChg chg="delSp mod">
+        <pc:chgData name="Anatoliy Kigel" userId="7432c6c4687b0a9c" providerId="LiveId" clId="{FB8352C4-4062-42B0-9CC9-2140C1D81795}" dt="2023-06-12T15:34:28.215" v="1" actId="478"/>
+        <pc:sldMkLst>
+          <pc:docMk/>
+          <pc:sldMk cId="2257022923" sldId="520"/>
+        </pc:sldMkLst>
+        <pc:spChg chg="del">
+          <ac:chgData name="Anatoliy Kigel" userId="7432c6c4687b0a9c" providerId="LiveId" clId="{FB8352C4-4062-42B0-9CC9-2140C1D81795}" dt="2023-06-12T15:34:28.215" v="1" actId="478"/>
+          <ac:spMkLst>
+            <pc:docMk/>
+            <pc:sldMk cId="2257022923" sldId="520"/>
+            <ac:spMk id="2" creationId="{00000000-0000-0000-0000-000000000000}"/>
+          </ac:spMkLst>
+        </pc:spChg>
       </pc:sldChg>
     </pc:docChg>
   </pc:docChgLst>
@@ -1491,7 +1521,7 @@
             <a:fld id="{85522811-C5C6-42D2-A409-F8556720C93F}" type="datetimeFigureOut">
               <a:rPr lang="uk-UA" smtClean="0"/>
               <a:pPr/>
-              <a:t>11.06.2023</a:t>
+              <a:t>12.06.2023</a:t>
             </a:fld>
             <a:endParaRPr lang="uk-UA"/>
           </a:p>
@@ -2031,7 +2061,7 @@
             <a:fld id="{E6FC6B0D-6115-4D7C-8040-9C8E2349BB6E}" type="datetime1">
               <a:rPr lang="uk-UA" smtClean="0"/>
               <a:pPr/>
-              <a:t>11.06.2023</a:t>
+              <a:t>12.06.2023</a:t>
             </a:fld>
             <a:endParaRPr lang="uk-UA"/>
           </a:p>
@@ -2198,7 +2228,7 @@
             <a:fld id="{996367BA-0A39-4DE2-BFC3-D5290044365E}" type="datetime1">
               <a:rPr lang="uk-UA" smtClean="0"/>
               <a:pPr/>
-              <a:t>11.06.2023</a:t>
+              <a:t>12.06.2023</a:t>
             </a:fld>
             <a:endParaRPr lang="uk-UA"/>
           </a:p>
@@ -2375,7 +2405,7 @@
             <a:fld id="{1BD6A67F-6C29-47DC-AF8A-FDB3C787DF70}" type="datetime1">
               <a:rPr lang="uk-UA" smtClean="0"/>
               <a:pPr/>
-              <a:t>11.06.2023</a:t>
+              <a:t>12.06.2023</a:t>
             </a:fld>
             <a:endParaRPr lang="uk-UA"/>
           </a:p>
@@ -2542,7 +2572,7 @@
             <a:fld id="{1657D9C5-7FF1-434F-B56E-9BAD559744E9}" type="datetime1">
               <a:rPr lang="uk-UA" smtClean="0"/>
               <a:pPr/>
-              <a:t>11.06.2023</a:t>
+              <a:t>12.06.2023</a:t>
             </a:fld>
             <a:endParaRPr lang="uk-UA"/>
           </a:p>
@@ -2785,7 +2815,7 @@
             <a:fld id="{2CEB0FC9-DE63-476B-A1A9-BE934D9049F8}" type="datetime1">
               <a:rPr lang="uk-UA" smtClean="0"/>
               <a:pPr/>
-              <a:t>11.06.2023</a:t>
+              <a:t>12.06.2023</a:t>
             </a:fld>
             <a:endParaRPr lang="uk-UA"/>
           </a:p>
@@ -3070,7 +3100,7 @@
             <a:fld id="{F964460F-86E2-4DF6-9D0F-12F5005CF375}" type="datetime1">
               <a:rPr lang="uk-UA" smtClean="0"/>
               <a:pPr/>
-              <a:t>11.06.2023</a:t>
+              <a:t>12.06.2023</a:t>
             </a:fld>
             <a:endParaRPr lang="uk-UA"/>
           </a:p>
@@ -3489,7 +3519,7 @@
             <a:fld id="{C521715E-DDCD-4267-B0A5-2918B6F6768A}" type="datetime1">
               <a:rPr lang="uk-UA" smtClean="0"/>
               <a:pPr/>
-              <a:t>11.06.2023</a:t>
+              <a:t>12.06.2023</a:t>
             </a:fld>
             <a:endParaRPr lang="uk-UA"/>
           </a:p>
@@ -3604,7 +3634,7 @@
             <a:fld id="{9289842C-EB2D-4EBB-A272-2F6A49D9794D}" type="datetime1">
               <a:rPr lang="uk-UA" smtClean="0"/>
               <a:pPr/>
-              <a:t>11.06.2023</a:t>
+              <a:t>12.06.2023</a:t>
             </a:fld>
             <a:endParaRPr lang="uk-UA"/>
           </a:p>
@@ -3696,7 +3726,7 @@
             <a:fld id="{D036F091-B700-4B52-99AC-85D0FD94D904}" type="datetime1">
               <a:rPr lang="uk-UA" smtClean="0"/>
               <a:pPr/>
-              <a:t>11.06.2023</a:t>
+              <a:t>12.06.2023</a:t>
             </a:fld>
             <a:endParaRPr lang="uk-UA"/>
           </a:p>
@@ -3970,7 +4000,7 @@
             <a:fld id="{B35DFABA-3811-4634-B803-2EAC4CD0063B}" type="datetime1">
               <a:rPr lang="uk-UA" smtClean="0"/>
               <a:pPr/>
-              <a:t>11.06.2023</a:t>
+              <a:t>12.06.2023</a:t>
             </a:fld>
             <a:endParaRPr lang="uk-UA"/>
           </a:p>
@@ -4220,7 +4250,7 @@
             <a:fld id="{8A9EA25E-F88E-463A-A119-D1E55A881002}" type="datetime1">
               <a:rPr lang="uk-UA" smtClean="0"/>
               <a:pPr/>
-              <a:t>11.06.2023</a:t>
+              <a:t>12.06.2023</a:t>
             </a:fld>
             <a:endParaRPr lang="uk-UA"/>
           </a:p>
@@ -4430,7 +4460,7 @@
             <a:fld id="{E708ED03-0080-49A2-B709-7DA4ACB3A1C3}" type="datetime1">
               <a:rPr lang="uk-UA" smtClean="0"/>
               <a:pPr/>
-              <a:t>11.06.2023</a:t>
+              <a:t>12.06.2023</a:t>
             </a:fld>
             <a:endParaRPr lang="uk-UA"/>
           </a:p>
@@ -9623,41 +9653,6 @@
           </a:p>
         </p:txBody>
       </p:sp>
-      <p:sp>
-        <p:nvSpPr>
-          <p:cNvPr id="2" name="Прямоугольник 1"/>
-          <p:cNvSpPr/>
-          <p:nvPr/>
-        </p:nvSpPr>
-        <p:spPr>
-          <a:xfrm>
-            <a:off x="3215680" y="6165304"/>
-            <a:ext cx="6262548" cy="369332"/>
-          </a:xfrm>
-          <a:prstGeom prst="rect">
-            <a:avLst/>
-          </a:prstGeom>
-        </p:spPr>
-        <p:txBody>
-          <a:bodyPr wrap="none">
-            <a:spAutoFit/>
-          </a:bodyPr>
-          <a:lstStyle/>
-          <a:p>
-            <a:r>
-              <a:rPr lang="ru-RU" b="1" dirty="0"/>
-              <a:t>Подробнее: </a:t>
-            </a:r>
-            <a:r>
-              <a:rPr lang="en-US" b="1" dirty="0">
-                <a:hlinkClick r:id="rId2"/>
-              </a:rPr>
-              <a:t>https://learn.javascript.ru/bubbling-and-capturing</a:t>
-            </a:r>
-            <a:endParaRPr lang="ru-RU" b="1" dirty="0"/>
-          </a:p>
-        </p:txBody>
-      </p:sp>
       <p:pic>
         <p:nvPicPr>
           <p:cNvPr id="5" name="Рисунок 4"/>
@@ -9667,7 +9662,7 @@
           <p:nvPr/>
         </p:nvPicPr>
         <p:blipFill>
-          <a:blip r:embed="rId3"/>
+          <a:blip r:embed="rId2"/>
           <a:stretch>
             <a:fillRect/>
           </a:stretch>
@@ -9895,41 +9890,6 @@
           </a:prstGeom>
         </p:spPr>
       </p:pic>
-      <p:sp>
-        <p:nvSpPr>
-          <p:cNvPr id="7" name="Прямоугольник 6"/>
-          <p:cNvSpPr/>
-          <p:nvPr/>
-        </p:nvSpPr>
-        <p:spPr>
-          <a:xfrm>
-            <a:off x="3215680" y="6165304"/>
-            <a:ext cx="6262548" cy="369332"/>
-          </a:xfrm>
-          <a:prstGeom prst="rect">
-            <a:avLst/>
-          </a:prstGeom>
-        </p:spPr>
-        <p:txBody>
-          <a:bodyPr wrap="none">
-            <a:spAutoFit/>
-          </a:bodyPr>
-          <a:lstStyle/>
-          <a:p>
-            <a:r>
-              <a:rPr lang="ru-RU" b="1" dirty="0"/>
-              <a:t>Подробнее: </a:t>
-            </a:r>
-            <a:r>
-              <a:rPr lang="en-US" b="1" dirty="0">
-                <a:hlinkClick r:id="rId3"/>
-              </a:rPr>
-              <a:t>https://learn.javascript.ru/bubbling-and-capturing</a:t>
-            </a:r>
-            <a:endParaRPr lang="ru-RU" b="1" dirty="0"/>
-          </a:p>
-        </p:txBody>
-      </p:sp>
     </p:spTree>
     <p:extLst>
       <p:ext uri="{BB962C8B-B14F-4D97-AF65-F5344CB8AC3E}">
